--- a/photommetry_workshop.pptx
+++ b/photommetry_workshop.pptx
@@ -5,13 +5,14 @@
     <p:sldMasterId id="2147483648" r:id="rId1"/>
   </p:sldMasterIdLst>
   <p:notesMasterIdLst>
-    <p:notesMasterId r:id="rId6"/>
+    <p:notesMasterId r:id="rId7"/>
   </p:notesMasterIdLst>
   <p:sldIdLst>
     <p:sldId id="493" r:id="rId2"/>
     <p:sldId id="490" r:id="rId3"/>
     <p:sldId id="491" r:id="rId4"/>
     <p:sldId id="492" r:id="rId5"/>
+    <p:sldId id="494" r:id="rId6"/>
   </p:sldIdLst>
   <p:sldSz cx="12192000" cy="6858000"/>
   <p:notesSz cx="6858000" cy="9144000"/>
@@ -121,8 +122,7 @@
 <file path=ppt/revisionInfo.xml><?xml version="1.0" encoding="utf-8"?>
 <p1510:revInfo xmlns:a="http://schemas.openxmlformats.org/drawingml/2006/main" xmlns:r="http://schemas.openxmlformats.org/officeDocument/2006/relationships" xmlns:p1510="http://schemas.microsoft.com/office/powerpoint/2015/10/main">
   <p1510:revLst>
-    <p1510:client id="{101A4734-617C-4F72-B414-584023B69BF4}" v="184" dt="2023-10-16T06:37:36.036"/>
-    <p1510:client id="{3366AB83-C13F-804B-81E7-10A787A084D2}" v="3" dt="2023-10-16T04:26:46.901"/>
+    <p1510:client id="{3366AB83-C13F-804B-81E7-10A787A084D2}" v="253" dt="2023-10-23T03:04:02.914"/>
   </p1510:revLst>
 </p1510:revInfo>
 </file>
@@ -131,8 +131,8 @@
 <pc:chgInfo xmlns:a="http://schemas.openxmlformats.org/drawingml/2006/main" xmlns:r="http://schemas.openxmlformats.org/officeDocument/2006/relationships" xmlns:ac="http://schemas.microsoft.com/office/drawing/2013/main/command" xmlns:pc="http://schemas.microsoft.com/office/powerpoint/2013/main/command">
   <pc:docChgLst>
     <pc:chgData name="Yi-Fei Gu" userId="5fee6bee-9d34-41ea-b40f-4642368c87ed" providerId="ADAL" clId="{3366AB83-C13F-804B-81E7-10A787A084D2}"/>
-    <pc:docChg chg="custSel addSld modSld">
-      <pc:chgData name="Yi-Fei Gu" userId="5fee6bee-9d34-41ea-b40f-4642368c87ed" providerId="ADAL" clId="{3366AB83-C13F-804B-81E7-10A787A084D2}" dt="2023-10-16T04:27:06.417" v="215" actId="20577"/>
+    <pc:docChg chg="undo custSel addSld delSld modSld">
+      <pc:chgData name="Yi-Fei Gu" userId="5fee6bee-9d34-41ea-b40f-4642368c87ed" providerId="ADAL" clId="{3366AB83-C13F-804B-81E7-10A787A084D2}" dt="2023-10-23T03:04:02.914" v="599"/>
       <pc:docMkLst>
         <pc:docMk/>
       </pc:docMkLst>
@@ -159,8 +159,8 @@
           </ac:spMkLst>
         </pc:spChg>
       </pc:sldChg>
-      <pc:sldChg chg="modSp add mod">
-        <pc:chgData name="Yi-Fei Gu" userId="5fee6bee-9d34-41ea-b40f-4642368c87ed" providerId="ADAL" clId="{3366AB83-C13F-804B-81E7-10A787A084D2}" dt="2023-10-16T04:26:43.144" v="179" actId="20577"/>
+      <pc:sldChg chg="addSp modSp add mod modAnim">
+        <pc:chgData name="Yi-Fei Gu" userId="5fee6bee-9d34-41ea-b40f-4642368c87ed" providerId="ADAL" clId="{3366AB83-C13F-804B-81E7-10A787A084D2}" dt="2023-10-22T09:53:03.267" v="367"/>
         <pc:sldMkLst>
           <pc:docMk/>
           <pc:sldMk cId="76564499" sldId="491"/>
@@ -173,6 +173,14 @@
             <ac:spMk id="3" creationId="{5705F535-8615-EE29-345B-D15BD383EA93}"/>
           </ac:spMkLst>
         </pc:spChg>
+        <pc:spChg chg="add mod">
+          <ac:chgData name="Yi-Fei Gu" userId="5fee6bee-9d34-41ea-b40f-4642368c87ed" providerId="ADAL" clId="{3366AB83-C13F-804B-81E7-10A787A084D2}" dt="2023-10-22T09:51:22.357" v="348" actId="14100"/>
+          <ac:spMkLst>
+            <pc:docMk/>
+            <pc:sldMk cId="76564499" sldId="491"/>
+            <ac:spMk id="3" creationId="{7FF6148C-15A3-3AF6-9E03-25BBD5B4E143}"/>
+          </ac:spMkLst>
+        </pc:spChg>
         <pc:spChg chg="mod">
           <ac:chgData name="Yi-Fei Gu" userId="5fee6bee-9d34-41ea-b40f-4642368c87ed" providerId="ADAL" clId="{3366AB83-C13F-804B-81E7-10A787A084D2}" dt="2023-10-16T04:26:24.580" v="152" actId="20577"/>
           <ac:spMkLst>
@@ -181,13 +189,53 @@
             <ac:spMk id="4" creationId="{43AC3C2A-C523-23CD-8571-FA2591702324}"/>
           </ac:spMkLst>
         </pc:spChg>
+        <pc:spChg chg="add mod">
+          <ac:chgData name="Yi-Fei Gu" userId="5fee6bee-9d34-41ea-b40f-4642368c87ed" providerId="ADAL" clId="{3366AB83-C13F-804B-81E7-10A787A084D2}" dt="2023-10-22T09:52:17.185" v="360" actId="1076"/>
+          <ac:spMkLst>
+            <pc:docMk/>
+            <pc:sldMk cId="76564499" sldId="491"/>
+            <ac:spMk id="9" creationId="{7947951E-69E4-F979-8F66-5E12E08C14B2}"/>
+          </ac:spMkLst>
+        </pc:spChg>
+        <pc:picChg chg="mod">
+          <ac:chgData name="Yi-Fei Gu" userId="5fee6bee-9d34-41ea-b40f-4642368c87ed" providerId="ADAL" clId="{3366AB83-C13F-804B-81E7-10A787A084D2}" dt="2023-10-22T09:05:05.969" v="238" actId="339"/>
+          <ac:picMkLst>
+            <pc:docMk/>
+            <pc:sldMk cId="76564499" sldId="491"/>
+            <ac:picMk id="6" creationId="{001CAD9A-FE97-3A12-F909-7BDF159FC748}"/>
+          </ac:picMkLst>
+        </pc:picChg>
+        <pc:picChg chg="add mod">
+          <ac:chgData name="Yi-Fei Gu" userId="5fee6bee-9d34-41ea-b40f-4642368c87ed" providerId="ADAL" clId="{3366AB83-C13F-804B-81E7-10A787A084D2}" dt="2023-10-22T09:52:03.958" v="358" actId="1076"/>
+          <ac:picMkLst>
+            <pc:docMk/>
+            <pc:sldMk cId="76564499" sldId="491"/>
+            <ac:picMk id="7" creationId="{105D389F-AD56-5CF8-4B19-65785C3E8C35}"/>
+          </ac:picMkLst>
+        </pc:picChg>
+        <pc:picChg chg="mod">
+          <ac:chgData name="Yi-Fei Gu" userId="5fee6bee-9d34-41ea-b40f-4642368c87ed" providerId="ADAL" clId="{3366AB83-C13F-804B-81E7-10A787A084D2}" dt="2023-10-22T09:05:26.757" v="246" actId="14100"/>
+          <ac:picMkLst>
+            <pc:docMk/>
+            <pc:sldMk cId="76564499" sldId="491"/>
+            <ac:picMk id="8" creationId="{B29D8B5F-3529-3A93-B609-C7DB323CEBDF}"/>
+          </ac:picMkLst>
+        </pc:picChg>
       </pc:sldChg>
-      <pc:sldChg chg="modSp add mod">
-        <pc:chgData name="Yi-Fei Gu" userId="5fee6bee-9d34-41ea-b40f-4642368c87ed" providerId="ADAL" clId="{3366AB83-C13F-804B-81E7-10A787A084D2}" dt="2023-10-16T04:27:06.417" v="215" actId="20577"/>
+      <pc:sldChg chg="addSp delSp modSp add mod setBg delAnim">
+        <pc:chgData name="Yi-Fei Gu" userId="5fee6bee-9d34-41ea-b40f-4642368c87ed" providerId="ADAL" clId="{3366AB83-C13F-804B-81E7-10A787A084D2}" dt="2023-10-22T09:58:50.638" v="377" actId="1076"/>
         <pc:sldMkLst>
           <pc:docMk/>
           <pc:sldMk cId="3546864191" sldId="492"/>
         </pc:sldMkLst>
+        <pc:spChg chg="mod ord">
+          <ac:chgData name="Yi-Fei Gu" userId="5fee6bee-9d34-41ea-b40f-4642368c87ed" providerId="ADAL" clId="{3366AB83-C13F-804B-81E7-10A787A084D2}" dt="2023-10-22T09:26:56.482" v="314" actId="26606"/>
+          <ac:spMkLst>
+            <pc:docMk/>
+            <pc:sldMk cId="3546864191" sldId="492"/>
+            <ac:spMk id="2" creationId="{8E41405F-2034-03DC-C5F8-3909D1CFDACD}"/>
+          </ac:spMkLst>
+        </pc:spChg>
         <pc:spChg chg="mod">
           <ac:chgData name="Yi-Fei Gu" userId="5fee6bee-9d34-41ea-b40f-4642368c87ed" providerId="ADAL" clId="{3366AB83-C13F-804B-81E7-10A787A084D2}" dt="2023-10-16T04:27:06.417" v="215" actId="20577"/>
           <ac:spMkLst>
@@ -196,14 +244,163 @@
             <ac:spMk id="3" creationId="{5705F535-8615-EE29-345B-D15BD383EA93}"/>
           </ac:spMkLst>
         </pc:spChg>
-        <pc:spChg chg="mod">
-          <ac:chgData name="Yi-Fei Gu" userId="5fee6bee-9d34-41ea-b40f-4642368c87ed" providerId="ADAL" clId="{3366AB83-C13F-804B-81E7-10A787A084D2}" dt="2023-10-16T04:26:54.251" v="192" actId="20577"/>
+        <pc:spChg chg="add del mod">
+          <ac:chgData name="Yi-Fei Gu" userId="5fee6bee-9d34-41ea-b40f-4642368c87ed" providerId="ADAL" clId="{3366AB83-C13F-804B-81E7-10A787A084D2}" dt="2023-10-22T09:26:55.877" v="313"/>
+          <ac:spMkLst>
+            <pc:docMk/>
+            <pc:sldMk cId="3546864191" sldId="492"/>
+            <ac:spMk id="3" creationId="{ED572AA3-226B-DE87-5FDB-654333A43AF0}"/>
+          </ac:spMkLst>
+        </pc:spChg>
+        <pc:spChg chg="add del mod">
+          <ac:chgData name="Yi-Fei Gu" userId="5fee6bee-9d34-41ea-b40f-4642368c87ed" providerId="ADAL" clId="{3366AB83-C13F-804B-81E7-10A787A084D2}" dt="2023-10-22T09:26:56.482" v="314" actId="26606"/>
           <ac:spMkLst>
             <pc:docMk/>
             <pc:sldMk cId="3546864191" sldId="492"/>
             <ac:spMk id="4" creationId="{43AC3C2A-C523-23CD-8571-FA2591702324}"/>
           </ac:spMkLst>
         </pc:spChg>
+        <pc:spChg chg="del">
+          <ac:chgData name="Yi-Fei Gu" userId="5fee6bee-9d34-41ea-b40f-4642368c87ed" providerId="ADAL" clId="{3366AB83-C13F-804B-81E7-10A787A084D2}" dt="2023-10-22T09:23:18.870" v="289" actId="478"/>
+          <ac:spMkLst>
+            <pc:docMk/>
+            <pc:sldMk cId="3546864191" sldId="492"/>
+            <ac:spMk id="7" creationId="{4FCE4377-1802-8885-8540-B1B87F765DE1}"/>
+          </ac:spMkLst>
+        </pc:spChg>
+        <pc:spChg chg="ord">
+          <ac:chgData name="Yi-Fei Gu" userId="5fee6bee-9d34-41ea-b40f-4642368c87ed" providerId="ADAL" clId="{3366AB83-C13F-804B-81E7-10A787A084D2}" dt="2023-10-22T09:26:56.482" v="314" actId="26606"/>
+          <ac:spMkLst>
+            <pc:docMk/>
+            <pc:sldMk cId="3546864191" sldId="492"/>
+            <ac:spMk id="11" creationId="{65E0AF15-A502-48AB-B1E1-F83F565F20F7}"/>
+          </ac:spMkLst>
+        </pc:spChg>
+        <pc:spChg chg="add del">
+          <ac:chgData name="Yi-Fei Gu" userId="5fee6bee-9d34-41ea-b40f-4642368c87ed" providerId="ADAL" clId="{3366AB83-C13F-804B-81E7-10A787A084D2}" dt="2023-10-22T09:26:56.482" v="314" actId="26606"/>
+          <ac:spMkLst>
+            <pc:docMk/>
+            <pc:sldMk cId="3546864191" sldId="492"/>
+            <ac:spMk id="1033" creationId="{022BDE4A-8A20-4A69-9C5A-581C82036A4D}"/>
+          </ac:spMkLst>
+        </pc:spChg>
+        <pc:picChg chg="del">
+          <ac:chgData name="Yi-Fei Gu" userId="5fee6bee-9d34-41ea-b40f-4642368c87ed" providerId="ADAL" clId="{3366AB83-C13F-804B-81E7-10A787A084D2}" dt="2023-10-22T09:23:20.916" v="290" actId="478"/>
+          <ac:picMkLst>
+            <pc:docMk/>
+            <pc:sldMk cId="3546864191" sldId="492"/>
+            <ac:picMk id="6" creationId="{D914E325-FA6F-959D-5211-50B4D9398951}"/>
+          </ac:picMkLst>
+        </pc:picChg>
+        <pc:picChg chg="add mod">
+          <ac:chgData name="Yi-Fei Gu" userId="5fee6bee-9d34-41ea-b40f-4642368c87ed" providerId="ADAL" clId="{3366AB83-C13F-804B-81E7-10A787A084D2}" dt="2023-10-22T09:58:50.638" v="377" actId="1076"/>
+          <ac:picMkLst>
+            <pc:docMk/>
+            <pc:sldMk cId="3546864191" sldId="492"/>
+            <ac:picMk id="8" creationId="{4C350365-63DD-3F7D-E943-6AE2E2BB22CA}"/>
+          </ac:picMkLst>
+        </pc:picChg>
+        <pc:picChg chg="add del mod ord">
+          <ac:chgData name="Yi-Fei Gu" userId="5fee6bee-9d34-41ea-b40f-4642368c87ed" providerId="ADAL" clId="{3366AB83-C13F-804B-81E7-10A787A084D2}" dt="2023-10-22T09:58:32.789" v="372" actId="478"/>
+          <ac:picMkLst>
+            <pc:docMk/>
+            <pc:sldMk cId="3546864191" sldId="492"/>
+            <ac:picMk id="1026" creationId="{A5C4E4D2-2849-BCE5-0C95-D5050E5DC883}"/>
+          </ac:picMkLst>
+        </pc:picChg>
+        <pc:picChg chg="add del mod">
+          <ac:chgData name="Yi-Fei Gu" userId="5fee6bee-9d34-41ea-b40f-4642368c87ed" providerId="ADAL" clId="{3366AB83-C13F-804B-81E7-10A787A084D2}" dt="2023-10-22T09:29:13.939" v="330" actId="478"/>
+          <ac:picMkLst>
+            <pc:docMk/>
+            <pc:sldMk cId="3546864191" sldId="492"/>
+            <ac:picMk id="1028" creationId="{5697B089-161F-CCBA-A071-9251D6B00A0A}"/>
+          </ac:picMkLst>
+        </pc:picChg>
+      </pc:sldChg>
+      <pc:sldChg chg="addSp modSp mod modAnim">
+        <pc:chgData name="Yi-Fei Gu" userId="5fee6bee-9d34-41ea-b40f-4642368c87ed" providerId="ADAL" clId="{3366AB83-C13F-804B-81E7-10A787A084D2}" dt="2023-10-22T09:03:47.638" v="232"/>
+        <pc:sldMkLst>
+          <pc:docMk/>
+          <pc:sldMk cId="3768814797" sldId="493"/>
+        </pc:sldMkLst>
+        <pc:spChg chg="add mod">
+          <ac:chgData name="Yi-Fei Gu" userId="5fee6bee-9d34-41ea-b40f-4642368c87ed" providerId="ADAL" clId="{3366AB83-C13F-804B-81E7-10A787A084D2}" dt="2023-10-22T09:03:30.009" v="229" actId="14100"/>
+          <ac:spMkLst>
+            <pc:docMk/>
+            <pc:sldMk cId="3768814797" sldId="493"/>
+            <ac:spMk id="3" creationId="{A92C3876-8BD4-43D2-3470-85020994EE3C}"/>
+          </ac:spMkLst>
+        </pc:spChg>
+        <pc:picChg chg="mod">
+          <ac:chgData name="Yi-Fei Gu" userId="5fee6bee-9d34-41ea-b40f-4642368c87ed" providerId="ADAL" clId="{3366AB83-C13F-804B-81E7-10A787A084D2}" dt="2023-10-22T09:03:33.282" v="231" actId="1076"/>
+          <ac:picMkLst>
+            <pc:docMk/>
+            <pc:sldMk cId="3768814797" sldId="493"/>
+            <ac:picMk id="1028" creationId="{37473079-A705-B52E-7EFB-82B843C420EE}"/>
+          </ac:picMkLst>
+        </pc:picChg>
+      </pc:sldChg>
+      <pc:sldChg chg="addSp modSp add mod modAnim">
+        <pc:chgData name="Yi-Fei Gu" userId="5fee6bee-9d34-41ea-b40f-4642368c87ed" providerId="ADAL" clId="{3366AB83-C13F-804B-81E7-10A787A084D2}" dt="2023-10-23T03:04:02.914" v="599"/>
+        <pc:sldMkLst>
+          <pc:docMk/>
+          <pc:sldMk cId="2518193941" sldId="494"/>
+        </pc:sldMkLst>
+        <pc:spChg chg="add mod">
+          <ac:chgData name="Yi-Fei Gu" userId="5fee6bee-9d34-41ea-b40f-4642368c87ed" providerId="ADAL" clId="{3366AB83-C13F-804B-81E7-10A787A084D2}" dt="2023-10-23T03:02:01.949" v="582" actId="1076"/>
+          <ac:spMkLst>
+            <pc:docMk/>
+            <pc:sldMk cId="2518193941" sldId="494"/>
+            <ac:spMk id="3" creationId="{5FBF5A19-734D-B487-06C4-CE367E12FEC1}"/>
+          </ac:spMkLst>
+        </pc:spChg>
+        <pc:spChg chg="mod">
+          <ac:chgData name="Yi-Fei Gu" userId="5fee6bee-9d34-41ea-b40f-4642368c87ed" providerId="ADAL" clId="{3366AB83-C13F-804B-81E7-10A787A084D2}" dt="2023-10-23T02:57:43.102" v="389" actId="20577"/>
+          <ac:spMkLst>
+            <pc:docMk/>
+            <pc:sldMk cId="2518193941" sldId="494"/>
+            <ac:spMk id="4" creationId="{43AC3C2A-C523-23CD-8571-FA2591702324}"/>
+          </ac:spMkLst>
+        </pc:spChg>
+        <pc:spChg chg="add mod">
+          <ac:chgData name="Yi-Fei Gu" userId="5fee6bee-9d34-41ea-b40f-4642368c87ed" providerId="ADAL" clId="{3366AB83-C13F-804B-81E7-10A787A084D2}" dt="2023-10-23T03:01:08.108" v="567" actId="14100"/>
+          <ac:spMkLst>
+            <pc:docMk/>
+            <pc:sldMk cId="2518193941" sldId="494"/>
+            <ac:spMk id="5" creationId="{0E6DC88F-D966-CED5-52AA-EDEF805D17F2}"/>
+          </ac:spMkLst>
+        </pc:spChg>
+        <pc:spChg chg="mod">
+          <ac:chgData name="Yi-Fei Gu" userId="5fee6bee-9d34-41ea-b40f-4642368c87ed" providerId="ADAL" clId="{3366AB83-C13F-804B-81E7-10A787A084D2}" dt="2023-10-23T03:02:01.949" v="582" actId="1076"/>
+          <ac:spMkLst>
+            <pc:docMk/>
+            <pc:sldMk cId="2518193941" sldId="494"/>
+            <ac:spMk id="7" creationId="{4FCE4377-1802-8885-8540-B1B87F765DE1}"/>
+          </ac:spMkLst>
+        </pc:spChg>
+        <pc:spChg chg="add mod">
+          <ac:chgData name="Yi-Fei Gu" userId="5fee6bee-9d34-41ea-b40f-4642368c87ed" providerId="ADAL" clId="{3366AB83-C13F-804B-81E7-10A787A084D2}" dt="2023-10-23T03:02:01.949" v="582" actId="1076"/>
+          <ac:spMkLst>
+            <pc:docMk/>
+            <pc:sldMk cId="2518193941" sldId="494"/>
+            <ac:spMk id="8" creationId="{796A68F8-697E-8F71-1CA4-D57A60C9AF00}"/>
+          </ac:spMkLst>
+        </pc:spChg>
+        <pc:spChg chg="add mod">
+          <ac:chgData name="Yi-Fei Gu" userId="5fee6bee-9d34-41ea-b40f-4642368c87ed" providerId="ADAL" clId="{3366AB83-C13F-804B-81E7-10A787A084D2}" dt="2023-10-23T03:01:46.979" v="578" actId="14100"/>
+          <ac:spMkLst>
+            <pc:docMk/>
+            <pc:sldMk cId="2518193941" sldId="494"/>
+            <ac:spMk id="9" creationId="{F3E08320-AE90-F893-6A3C-93142AD829D4}"/>
+          </ac:spMkLst>
+        </pc:spChg>
+      </pc:sldChg>
+      <pc:sldChg chg="add del">
+        <pc:chgData name="Yi-Fei Gu" userId="5fee6bee-9d34-41ea-b40f-4642368c87ed" providerId="ADAL" clId="{3366AB83-C13F-804B-81E7-10A787A084D2}" dt="2023-10-23T02:57:02.742" v="378" actId="2696"/>
+        <pc:sldMkLst>
+          <pc:docMk/>
+          <pc:sldMk cId="3870646938" sldId="495"/>
+        </pc:sldMkLst>
       </pc:sldChg>
     </pc:docChg>
   </pc:docChgLst>
@@ -512,7 +709,7 @@
           <a:p>
             <a:fld id="{897F7E74-B191-7C40-867C-1B4A3A20A93B}" type="datetimeFigureOut">
               <a:rPr lang="en-GB" smtClean="0"/>
-              <a:t>16/10/2023</a:t>
+              <a:t>23/10/2023</a:t>
             </a:fld>
             <a:endParaRPr lang="en-GB"/>
           </a:p>
@@ -1183,6 +1380,107 @@
 </p:notes>
 </file>
 
+<file path=ppt/notesSlides/notesSlide5.xml><?xml version="1.0" encoding="utf-8"?>
+<p:notes xmlns:a="http://schemas.openxmlformats.org/drawingml/2006/main" xmlns:r="http://schemas.openxmlformats.org/officeDocument/2006/relationships" xmlns:p="http://schemas.openxmlformats.org/presentationml/2006/main">
+  <p:cSld>
+    <p:spTree>
+      <p:nvGrpSpPr>
+        <p:cNvPr id="1" name=""/>
+        <p:cNvGrpSpPr/>
+        <p:nvPr/>
+      </p:nvGrpSpPr>
+      <p:grpSpPr>
+        <a:xfrm>
+          <a:off x="0" y="0"/>
+          <a:ext cx="0" cy="0"/>
+          <a:chOff x="0" y="0"/>
+          <a:chExt cx="0" cy="0"/>
+        </a:xfrm>
+      </p:grpSpPr>
+      <p:sp>
+        <p:nvSpPr>
+          <p:cNvPr id="2" name="Slide Image Placeholder 1"/>
+          <p:cNvSpPr>
+            <a:spLocks noGrp="1" noRot="1" noChangeAspect="1"/>
+          </p:cNvSpPr>
+          <p:nvPr>
+            <p:ph type="sldImg"/>
+          </p:nvPr>
+        </p:nvSpPr>
+        <p:spPr/>
+      </p:sp>
+      <p:sp>
+        <p:nvSpPr>
+          <p:cNvPr id="3" name="Notes Placeholder 2"/>
+          <p:cNvSpPr>
+            <a:spLocks noGrp="1"/>
+          </p:cNvSpPr>
+          <p:nvPr>
+            <p:ph type="body" idx="1"/>
+          </p:nvPr>
+        </p:nvSpPr>
+        <p:spPr/>
+        <p:txBody>
+          <a:bodyPr/>
+          <a:lstStyle/>
+          <a:p>
+            <a:pPr marL="0" marR="0" lvl="0" indent="0" algn="l" defTabSz="914400" rtl="0" eaLnBrk="1" fontAlgn="auto" latinLnBrk="0" hangingPunct="1">
+              <a:lnSpc>
+                <a:spcPct val="100000"/>
+              </a:lnSpc>
+              <a:spcBef>
+                <a:spcPts val="0"/>
+              </a:spcBef>
+              <a:spcAft>
+                <a:spcPts val="0"/>
+              </a:spcAft>
+              <a:buClrTx/>
+              <a:buSzTx/>
+              <a:buFontTx/>
+              <a:buNone/>
+              <a:tabLst/>
+              <a:defRPr/>
+            </a:pPr>
+            <a:endParaRPr lang="en-HK" dirty="0"/>
+          </a:p>
+        </p:txBody>
+      </p:sp>
+      <p:sp>
+        <p:nvSpPr>
+          <p:cNvPr id="4" name="Slide Number Placeholder 3"/>
+          <p:cNvSpPr>
+            <a:spLocks noGrp="1"/>
+          </p:cNvSpPr>
+          <p:nvPr>
+            <p:ph type="sldNum" sz="quarter" idx="5"/>
+          </p:nvPr>
+        </p:nvSpPr>
+        <p:spPr/>
+        <p:txBody>
+          <a:bodyPr/>
+          <a:lstStyle/>
+          <a:p>
+            <a:fld id="{B6CE214A-D025-4895-9061-A43757CBEBB5}" type="slidenum">
+              <a:rPr lang="en-HK" smtClean="0"/>
+              <a:t>5</a:t>
+            </a:fld>
+            <a:endParaRPr lang="en-HK"/>
+          </a:p>
+        </p:txBody>
+      </p:sp>
+    </p:spTree>
+    <p:extLst>
+      <p:ext uri="{BB962C8B-B14F-4D97-AF65-F5344CB8AC3E}">
+        <p14:creationId xmlns:p14="http://schemas.microsoft.com/office/powerpoint/2010/main" val="481756426"/>
+      </p:ext>
+    </p:extLst>
+  </p:cSld>
+  <p:clrMapOvr>
+    <a:masterClrMapping/>
+  </p:clrMapOvr>
+</p:notes>
+</file>
+
 <file path=ppt/slideLayouts/slideLayout1.xml><?xml version="1.0" encoding="utf-8"?>
 <p:sldLayout xmlns:a="http://schemas.openxmlformats.org/drawingml/2006/main" xmlns:r="http://schemas.openxmlformats.org/officeDocument/2006/relationships" xmlns:p="http://schemas.openxmlformats.org/presentationml/2006/main" type="title" preserve="1">
   <p:cSld name="Title Slide">
@@ -1330,7 +1628,7 @@
           <a:p>
             <a:fld id="{69387FD8-A97A-2643-BBFE-F0494386D61D}" type="datetimeFigureOut">
               <a:rPr lang="en-GB" smtClean="0"/>
-              <a:t>16/10/2023</a:t>
+              <a:t>23/10/2023</a:t>
             </a:fld>
             <a:endParaRPr lang="en-GB"/>
           </a:p>
@@ -1528,7 +1826,7 @@
           <a:p>
             <a:fld id="{69387FD8-A97A-2643-BBFE-F0494386D61D}" type="datetimeFigureOut">
               <a:rPr lang="en-GB" smtClean="0"/>
-              <a:t>16/10/2023</a:t>
+              <a:t>23/10/2023</a:t>
             </a:fld>
             <a:endParaRPr lang="en-GB"/>
           </a:p>
@@ -1736,7 +2034,7 @@
           <a:p>
             <a:fld id="{69387FD8-A97A-2643-BBFE-F0494386D61D}" type="datetimeFigureOut">
               <a:rPr lang="en-GB" smtClean="0"/>
-              <a:t>16/10/2023</a:t>
+              <a:t>23/10/2023</a:t>
             </a:fld>
             <a:endParaRPr lang="en-GB"/>
           </a:p>
@@ -2293,7 +2591,7 @@
           <a:p>
             <a:fld id="{69387FD8-A97A-2643-BBFE-F0494386D61D}" type="datetimeFigureOut">
               <a:rPr lang="en-GB" smtClean="0"/>
-              <a:t>16/10/2023</a:t>
+              <a:t>23/10/2023</a:t>
             </a:fld>
             <a:endParaRPr lang="en-GB"/>
           </a:p>
@@ -2568,7 +2866,7 @@
           <a:p>
             <a:fld id="{69387FD8-A97A-2643-BBFE-F0494386D61D}" type="datetimeFigureOut">
               <a:rPr lang="en-GB" smtClean="0"/>
-              <a:t>16/10/2023</a:t>
+              <a:t>23/10/2023</a:t>
             </a:fld>
             <a:endParaRPr lang="en-GB"/>
           </a:p>
@@ -2833,7 +3131,7 @@
           <a:p>
             <a:fld id="{69387FD8-A97A-2643-BBFE-F0494386D61D}" type="datetimeFigureOut">
               <a:rPr lang="en-GB" smtClean="0"/>
-              <a:t>16/10/2023</a:t>
+              <a:t>23/10/2023</a:t>
             </a:fld>
             <a:endParaRPr lang="en-GB"/>
           </a:p>
@@ -3245,7 +3543,7 @@
           <a:p>
             <a:fld id="{69387FD8-A97A-2643-BBFE-F0494386D61D}" type="datetimeFigureOut">
               <a:rPr lang="en-GB" smtClean="0"/>
-              <a:t>16/10/2023</a:t>
+              <a:t>23/10/2023</a:t>
             </a:fld>
             <a:endParaRPr lang="en-GB"/>
           </a:p>
@@ -3386,7 +3684,7 @@
           <a:p>
             <a:fld id="{69387FD8-A97A-2643-BBFE-F0494386D61D}" type="datetimeFigureOut">
               <a:rPr lang="en-GB" smtClean="0"/>
-              <a:t>16/10/2023</a:t>
+              <a:t>23/10/2023</a:t>
             </a:fld>
             <a:endParaRPr lang="en-GB"/>
           </a:p>
@@ -3499,7 +3797,7 @@
           <a:p>
             <a:fld id="{69387FD8-A97A-2643-BBFE-F0494386D61D}" type="datetimeFigureOut">
               <a:rPr lang="en-GB" smtClean="0"/>
-              <a:t>16/10/2023</a:t>
+              <a:t>23/10/2023</a:t>
             </a:fld>
             <a:endParaRPr lang="en-GB"/>
           </a:p>
@@ -3810,7 +4108,7 @@
           <a:p>
             <a:fld id="{69387FD8-A97A-2643-BBFE-F0494386D61D}" type="datetimeFigureOut">
               <a:rPr lang="en-GB" smtClean="0"/>
-              <a:t>16/10/2023</a:t>
+              <a:t>23/10/2023</a:t>
             </a:fld>
             <a:endParaRPr lang="en-GB"/>
           </a:p>
@@ -4098,7 +4396,7 @@
           <a:p>
             <a:fld id="{69387FD8-A97A-2643-BBFE-F0494386D61D}" type="datetimeFigureOut">
               <a:rPr lang="en-GB" smtClean="0"/>
-              <a:t>16/10/2023</a:t>
+              <a:t>23/10/2023</a:t>
             </a:fld>
             <a:endParaRPr lang="en-GB"/>
           </a:p>
@@ -4339,7 +4637,7 @@
           <a:p>
             <a:fld id="{69387FD8-A97A-2643-BBFE-F0494386D61D}" type="datetimeFigureOut">
               <a:rPr lang="en-GB" smtClean="0"/>
-              <a:t>16/10/2023</a:t>
+              <a:t>23/10/2023</a:t>
             </a:fld>
             <a:endParaRPr lang="en-GB"/>
           </a:p>
@@ -5109,6 +5407,58 @@
           </a:p>
         </p:txBody>
       </p:sp>
+      <p:sp>
+        <p:nvSpPr>
+          <p:cNvPr id="3" name="Rounded Rectangle 2">
+            <a:extLst>
+              <a:ext uri="{FF2B5EF4-FFF2-40B4-BE49-F238E27FC236}">
+                <a16:creationId xmlns:a16="http://schemas.microsoft.com/office/drawing/2014/main" id="{A92C3876-8BD4-43D2-3470-85020994EE3C}"/>
+              </a:ext>
+            </a:extLst>
+          </p:cNvPr>
+          <p:cNvSpPr/>
+          <p:nvPr/>
+        </p:nvSpPr>
+        <p:spPr>
+          <a:xfrm>
+            <a:off x="3579395" y="5370786"/>
+            <a:ext cx="1833433" cy="659539"/>
+          </a:xfrm>
+          <a:prstGeom prst="roundRect">
+            <a:avLst/>
+          </a:prstGeom>
+          <a:noFill/>
+          <a:ln w="57150">
+            <a:solidFill>
+              <a:schemeClr val="accent2"/>
+            </a:solidFill>
+          </a:ln>
+        </p:spPr>
+        <p:style>
+          <a:lnRef idx="2">
+            <a:schemeClr val="accent1">
+              <a:shade val="15000"/>
+            </a:schemeClr>
+          </a:lnRef>
+          <a:fillRef idx="1">
+            <a:schemeClr val="accent1"/>
+          </a:fillRef>
+          <a:effectRef idx="0">
+            <a:schemeClr val="accent1"/>
+          </a:effectRef>
+          <a:fontRef idx="minor">
+            <a:schemeClr val="lt1"/>
+          </a:fontRef>
+        </p:style>
+        <p:txBody>
+          <a:bodyPr rtlCol="0" anchor="ctr"/>
+          <a:lstStyle/>
+          <a:p>
+            <a:pPr algn="ctr"/>
+            <a:endParaRPr lang="en-GB"/>
+          </a:p>
+        </p:txBody>
+      </p:sp>
     </p:spTree>
     <p:extLst>
       <p:ext uri="{BB962C8B-B14F-4D97-AF65-F5344CB8AC3E}">
@@ -5172,6 +5522,51 @@
                       </p:childTnLst>
                     </p:cTn>
                   </p:par>
+                  <p:par>
+                    <p:cTn id="7" fill="hold">
+                      <p:stCondLst>
+                        <p:cond delay="indefinite"/>
+                      </p:stCondLst>
+                      <p:childTnLst>
+                        <p:par>
+                          <p:cTn id="8" fill="hold">
+                            <p:stCondLst>
+                              <p:cond delay="0"/>
+                            </p:stCondLst>
+                            <p:childTnLst>
+                              <p:par>
+                                <p:cTn id="9" presetID="1" presetClass="entr" presetSubtype="0" fill="hold" grpId="0" nodeType="clickEffect">
+                                  <p:stCondLst>
+                                    <p:cond delay="0"/>
+                                  </p:stCondLst>
+                                  <p:childTnLst>
+                                    <p:set>
+                                      <p:cBhvr>
+                                        <p:cTn id="10" dur="1" fill="hold">
+                                          <p:stCondLst>
+                                            <p:cond delay="0"/>
+                                          </p:stCondLst>
+                                        </p:cTn>
+                                        <p:tgtEl>
+                                          <p:spTgt spid="3"/>
+                                        </p:tgtEl>
+                                        <p:attrNameLst>
+                                          <p:attrName>style.visibility</p:attrName>
+                                        </p:attrNameLst>
+                                      </p:cBhvr>
+                                      <p:to>
+                                        <p:strVal val="visible"/>
+                                      </p:to>
+                                    </p:set>
+                                  </p:childTnLst>
+                                </p:cTn>
+                              </p:par>
+                            </p:childTnLst>
+                          </p:cTn>
+                        </p:par>
+                      </p:childTnLst>
+                    </p:cTn>
+                  </p:par>
                 </p:childTnLst>
               </p:cTn>
               <p:prevCondLst>
@@ -5195,6 +5590,7 @@
     </p:tnLst>
     <p:bldLst>
       <p:bldP spid="5" grpId="0"/>
+      <p:bldP spid="3" grpId="0" animBg="1"/>
     </p:bldLst>
   </p:timing>
 </p:sld>
@@ -6141,6 +6537,11 @@
           <a:prstGeom prst="rect">
             <a:avLst/>
           </a:prstGeom>
+          <a:scene3d>
+            <a:camera prst="orthographicFront"/>
+            <a:lightRig rig="threePt" dir="t"/>
+          </a:scene3d>
+          <a:sp3d contourW="12700"/>
         </p:spPr>
       </p:pic>
       <p:pic>
@@ -6164,251 +6565,273 @@
         </p:blipFill>
         <p:spPr>
           <a:xfrm>
-            <a:off x="92437" y="3581400"/>
-            <a:ext cx="4984386" cy="3012154"/>
+            <a:off x="92437" y="3581399"/>
+            <a:ext cx="5063095" cy="3059719"/>
+          </a:xfrm>
+          <a:prstGeom prst="rect">
+            <a:avLst/>
+          </a:prstGeom>
+          <a:scene3d>
+            <a:camera prst="orthographicFront"/>
+            <a:lightRig rig="threePt" dir="t"/>
+          </a:scene3d>
+          <a:sp3d contourW="12700"/>
+        </p:spPr>
+      </p:pic>
+      <p:sp>
+        <p:nvSpPr>
+          <p:cNvPr id="3" name="TextBox 2">
+            <a:extLst>
+              <a:ext uri="{FF2B5EF4-FFF2-40B4-BE49-F238E27FC236}">
+                <a16:creationId xmlns:a16="http://schemas.microsoft.com/office/drawing/2014/main" id="{7FF6148C-15A3-3AF6-9E03-25BBD5B4E143}"/>
+              </a:ext>
+            </a:extLst>
+          </p:cNvPr>
+          <p:cNvSpPr txBox="1"/>
+          <p:nvPr/>
+        </p:nvSpPr>
+        <p:spPr>
+          <a:xfrm>
+            <a:off x="5665698" y="1241121"/>
+            <a:ext cx="6145519" cy="1754326"/>
+          </a:xfrm>
+          <a:prstGeom prst="rect">
+            <a:avLst/>
+          </a:prstGeom>
+          <a:solidFill>
+            <a:schemeClr val="tx2"/>
+          </a:solidFill>
+        </p:spPr>
+        <p:txBody>
+          <a:bodyPr wrap="square">
+            <a:spAutoFit/>
+          </a:bodyPr>
+          <a:lstStyle/>
+          <a:p>
+            <a:r>
+              <a:rPr lang="en-GB" dirty="0">
+                <a:solidFill>
+                  <a:schemeClr val="bg1"/>
+                </a:solidFill>
+              </a:rPr>
+              <a:t>git clone https://</a:t>
+            </a:r>
+            <a:r>
+              <a:rPr lang="en-GB" dirty="0" err="1">
+                <a:solidFill>
+                  <a:schemeClr val="bg1"/>
+                </a:solidFill>
+              </a:rPr>
+              <a:t>github.com</a:t>
+            </a:r>
+            <a:r>
+              <a:rPr lang="en-GB" dirty="0">
+                <a:solidFill>
+                  <a:schemeClr val="bg1"/>
+                </a:solidFill>
+              </a:rPr>
+              <a:t>/</a:t>
+            </a:r>
+            <a:r>
+              <a:rPr lang="en-GB" dirty="0" err="1">
+                <a:solidFill>
+                  <a:schemeClr val="bg1"/>
+                </a:solidFill>
+              </a:rPr>
+              <a:t>OpenDroneMap</a:t>
+            </a:r>
+            <a:r>
+              <a:rPr lang="en-GB" dirty="0">
+                <a:solidFill>
+                  <a:schemeClr val="bg1"/>
+                </a:solidFill>
+              </a:rPr>
+              <a:t>/</a:t>
+            </a:r>
+            <a:r>
+              <a:rPr lang="en-GB" dirty="0" err="1">
+                <a:solidFill>
+                  <a:schemeClr val="bg1"/>
+                </a:solidFill>
+              </a:rPr>
+              <a:t>WebODM</a:t>
+            </a:r>
+            <a:r>
+              <a:rPr lang="en-GB" dirty="0">
+                <a:solidFill>
+                  <a:schemeClr val="bg1"/>
+                </a:solidFill>
+              </a:rPr>
+              <a:t> --config </a:t>
+            </a:r>
+            <a:r>
+              <a:rPr lang="en-GB" dirty="0" err="1">
+                <a:solidFill>
+                  <a:schemeClr val="bg1"/>
+                </a:solidFill>
+              </a:rPr>
+              <a:t>core.autocrlf</a:t>
+            </a:r>
+            <a:r>
+              <a:rPr lang="en-GB" dirty="0">
+                <a:solidFill>
+                  <a:schemeClr val="bg1"/>
+                </a:solidFill>
+              </a:rPr>
+              <a:t>=input --depth 1</a:t>
+            </a:r>
+          </a:p>
+          <a:p>
+            <a:endParaRPr lang="en-GB" dirty="0">
+              <a:solidFill>
+                <a:schemeClr val="bg1"/>
+              </a:solidFill>
+            </a:endParaRPr>
+          </a:p>
+          <a:p>
+            <a:r>
+              <a:rPr lang="en-GB" dirty="0">
+                <a:solidFill>
+                  <a:schemeClr val="bg1"/>
+                </a:solidFill>
+              </a:rPr>
+              <a:t>cd </a:t>
+            </a:r>
+            <a:r>
+              <a:rPr lang="en-GB" dirty="0" err="1">
+                <a:solidFill>
+                  <a:schemeClr val="bg1"/>
+                </a:solidFill>
+              </a:rPr>
+              <a:t>WebODM</a:t>
+            </a:r>
+            <a:endParaRPr lang="en-GB" dirty="0">
+              <a:solidFill>
+                <a:schemeClr val="bg1"/>
+              </a:solidFill>
+            </a:endParaRPr>
+          </a:p>
+          <a:p>
+            <a:endParaRPr lang="en-GB" dirty="0">
+              <a:solidFill>
+                <a:schemeClr val="bg1"/>
+              </a:solidFill>
+            </a:endParaRPr>
+          </a:p>
+          <a:p>
+            <a:r>
+              <a:rPr lang="en-GB" dirty="0">
+                <a:solidFill>
+                  <a:schemeClr val="bg1"/>
+                </a:solidFill>
+              </a:rPr>
+              <a:t>./</a:t>
+            </a:r>
+            <a:r>
+              <a:rPr lang="en-GB" dirty="0" err="1">
+                <a:solidFill>
+                  <a:schemeClr val="bg1"/>
+                </a:solidFill>
+              </a:rPr>
+              <a:t>webodm.sh</a:t>
+            </a:r>
+            <a:r>
+              <a:rPr lang="en-GB" dirty="0">
+                <a:solidFill>
+                  <a:schemeClr val="bg1"/>
+                </a:solidFill>
+              </a:rPr>
+              <a:t> start </a:t>
+            </a:r>
+          </a:p>
+        </p:txBody>
+      </p:sp>
+      <p:pic>
+        <p:nvPicPr>
+          <p:cNvPr id="7" name="Picture 6" descr="A screenshot of a computer&#10;&#10;Description automatically generated">
+            <a:extLst>
+              <a:ext uri="{FF2B5EF4-FFF2-40B4-BE49-F238E27FC236}">
+                <a16:creationId xmlns:a16="http://schemas.microsoft.com/office/drawing/2014/main" id="{105D389F-AD56-5CF8-4B19-65785C3E8C35}"/>
+              </a:ext>
+            </a:extLst>
+          </p:cNvPr>
+          <p:cNvPicPr>
+            <a:picLocks noChangeAspect="1"/>
+          </p:cNvPicPr>
+          <p:nvPr/>
+        </p:nvPicPr>
+        <p:blipFill>
+          <a:blip r:embed="rId5"/>
+          <a:stretch>
+            <a:fillRect/>
+          </a:stretch>
+        </p:blipFill>
+        <p:spPr>
+          <a:xfrm>
+            <a:off x="5665699" y="3652250"/>
+            <a:ext cx="6145518" cy="2918016"/>
           </a:xfrm>
           <a:prstGeom prst="rect">
             <a:avLst/>
           </a:prstGeom>
         </p:spPr>
       </p:pic>
+      <p:sp>
+        <p:nvSpPr>
+          <p:cNvPr id="9" name="Rounded Rectangle 8">
+            <a:extLst>
+              <a:ext uri="{FF2B5EF4-FFF2-40B4-BE49-F238E27FC236}">
+                <a16:creationId xmlns:a16="http://schemas.microsoft.com/office/drawing/2014/main" id="{7947951E-69E4-F979-8F66-5E12E08C14B2}"/>
+              </a:ext>
+            </a:extLst>
+          </p:cNvPr>
+          <p:cNvSpPr/>
+          <p:nvPr/>
+        </p:nvSpPr>
+        <p:spPr>
+          <a:xfrm>
+            <a:off x="10226566" y="4088523"/>
+            <a:ext cx="1872994" cy="659539"/>
+          </a:xfrm>
+          <a:prstGeom prst="roundRect">
+            <a:avLst/>
+          </a:prstGeom>
+          <a:noFill/>
+          <a:ln w="57150">
+            <a:solidFill>
+              <a:schemeClr val="accent2"/>
+            </a:solidFill>
+          </a:ln>
+        </p:spPr>
+        <p:style>
+          <a:lnRef idx="2">
+            <a:schemeClr val="accent1">
+              <a:shade val="15000"/>
+            </a:schemeClr>
+          </a:lnRef>
+          <a:fillRef idx="1">
+            <a:schemeClr val="accent1"/>
+          </a:fillRef>
+          <a:effectRef idx="0">
+            <a:schemeClr val="accent1"/>
+          </a:effectRef>
+          <a:fontRef idx="minor">
+            <a:schemeClr val="lt1"/>
+          </a:fontRef>
+        </p:style>
+        <p:txBody>
+          <a:bodyPr rtlCol="0" anchor="ctr"/>
+          <a:lstStyle/>
+          <a:p>
+            <a:pPr algn="ctr"/>
+            <a:endParaRPr lang="en-GB"/>
+          </a:p>
+        </p:txBody>
+      </p:sp>
     </p:spTree>
     <p:extLst>
       <p:ext uri="{BB962C8B-B14F-4D97-AF65-F5344CB8AC3E}">
         <p14:creationId xmlns:p14="http://schemas.microsoft.com/office/powerpoint/2010/main" val="76564499"/>
-      </p:ext>
-    </p:extLst>
-  </p:cSld>
-  <p:clrMapOvr>
-    <a:masterClrMapping/>
-  </p:clrMapOvr>
-</p:sld>
-</file>
-
-<file path=ppt/slides/slide4.xml><?xml version="1.0" encoding="utf-8"?>
-<p:sld xmlns:a="http://schemas.openxmlformats.org/drawingml/2006/main" xmlns:r="http://schemas.openxmlformats.org/officeDocument/2006/relationships" xmlns:p="http://schemas.openxmlformats.org/presentationml/2006/main">
-  <p:cSld>
-    <p:spTree>
-      <p:nvGrpSpPr>
-        <p:cNvPr id="1" name=""/>
-        <p:cNvGrpSpPr/>
-        <p:nvPr/>
-      </p:nvGrpSpPr>
-      <p:grpSpPr>
-        <a:xfrm>
-          <a:off x="0" y="0"/>
-          <a:ext cx="0" cy="0"/>
-          <a:chOff x="0" y="0"/>
-          <a:chExt cx="0" cy="0"/>
-        </a:xfrm>
-      </p:grpSpPr>
-      <p:sp>
-        <p:nvSpPr>
-          <p:cNvPr id="11" name="AutoShape 8">
-            <a:extLst>
-              <a:ext uri="{FF2B5EF4-FFF2-40B4-BE49-F238E27FC236}">
-                <a16:creationId xmlns:a16="http://schemas.microsoft.com/office/drawing/2014/main" id="{65E0AF15-A502-48AB-B1E1-F83F565F20F7}"/>
-              </a:ext>
-            </a:extLst>
-          </p:cNvPr>
-          <p:cNvSpPr>
-            <a:spLocks noChangeAspect="1" noChangeArrowheads="1"/>
-          </p:cNvSpPr>
-          <p:nvPr/>
-        </p:nvSpPr>
-        <p:spPr bwMode="auto">
-          <a:xfrm>
-            <a:off x="5943600" y="3276600"/>
-            <a:ext cx="304800" cy="304800"/>
-          </a:xfrm>
-          <a:prstGeom prst="rect">
-            <a:avLst/>
-          </a:prstGeom>
-          <a:noFill/>
-          <a:extLst>
-            <a:ext uri="{909E8E84-426E-40DD-AFC4-6F175D3DCCD1}">
-              <a14:hiddenFill xmlns:a14="http://schemas.microsoft.com/office/drawing/2010/main">
-                <a:solidFill>
-                  <a:srgbClr val="FFFFFF"/>
-                </a:solidFill>
-              </a14:hiddenFill>
-            </a:ext>
-          </a:extLst>
-        </p:spPr>
-        <p:txBody>
-          <a:bodyPr vert="horz" wrap="square" lIns="91440" tIns="45720" rIns="91440" bIns="45720" numCol="1" anchor="t" anchorCtr="0" compatLnSpc="1">
-            <a:prstTxWarp prst="textNoShape">
-              <a:avLst/>
-            </a:prstTxWarp>
-          </a:bodyPr>
-          <a:lstStyle/>
-          <a:p>
-            <a:endParaRPr lang="en-HK">
-              <a:cs typeface="+mn-ea"/>
-              <a:sym typeface="+mn-lt"/>
-            </a:endParaRPr>
-          </a:p>
-        </p:txBody>
-      </p:sp>
-      <p:sp>
-        <p:nvSpPr>
-          <p:cNvPr id="4" name="TextBox 3">
-            <a:extLst>
-              <a:ext uri="{FF2B5EF4-FFF2-40B4-BE49-F238E27FC236}">
-                <a16:creationId xmlns:a16="http://schemas.microsoft.com/office/drawing/2014/main" id="{43AC3C2A-C523-23CD-8571-FA2591702324}"/>
-              </a:ext>
-            </a:extLst>
-          </p:cNvPr>
-          <p:cNvSpPr txBox="1"/>
-          <p:nvPr/>
-        </p:nvSpPr>
-        <p:spPr>
-          <a:xfrm>
-            <a:off x="92437" y="65531"/>
-            <a:ext cx="12007123" cy="646331"/>
-          </a:xfrm>
-          <a:prstGeom prst="rect">
-            <a:avLst/>
-          </a:prstGeom>
-          <a:solidFill>
-            <a:srgbClr val="002060"/>
-          </a:solidFill>
-        </p:spPr>
-        <p:txBody>
-          <a:bodyPr wrap="square">
-            <a:spAutoFit/>
-          </a:bodyPr>
-          <a:lstStyle/>
-          <a:p>
-            <a:pPr lvl="0" algn="ctr"/>
-            <a:r>
-              <a:rPr lang="en-GB" sz="3600" b="1" dirty="0">
-                <a:solidFill>
-                  <a:schemeClr val="bg1"/>
-                </a:solidFill>
-                <a:cs typeface="+mn-ea"/>
-                <a:sym typeface="+mn-lt"/>
-              </a:rPr>
-              <a:t>ODM installation on Linux server</a:t>
-            </a:r>
-          </a:p>
-        </p:txBody>
-      </p:sp>
-      <p:sp>
-        <p:nvSpPr>
-          <p:cNvPr id="2" name="Slide Number Placeholder 1">
-            <a:extLst>
-              <a:ext uri="{FF2B5EF4-FFF2-40B4-BE49-F238E27FC236}">
-                <a16:creationId xmlns:a16="http://schemas.microsoft.com/office/drawing/2014/main" id="{8E41405F-2034-03DC-C5F8-3909D1CFDACD}"/>
-              </a:ext>
-            </a:extLst>
-          </p:cNvPr>
-          <p:cNvSpPr>
-            <a:spLocks noGrp="1"/>
-          </p:cNvSpPr>
-          <p:nvPr>
-            <p:ph type="sldNum" idx="12"/>
-          </p:nvPr>
-        </p:nvSpPr>
-        <p:spPr/>
-        <p:txBody>
-          <a:bodyPr/>
-          <a:lstStyle/>
-          <a:p>
-            <a:fld id="{00000000-1234-1234-1234-123412341234}" type="slidenum">
-              <a:rPr lang="en" smtClean="0"/>
-              <a:pPr/>
-              <a:t>4</a:t>
-            </a:fld>
-            <a:endParaRPr lang="en"/>
-          </a:p>
-        </p:txBody>
-      </p:sp>
-      <p:pic>
-        <p:nvPicPr>
-          <p:cNvPr id="6" name="Picture 5">
-            <a:extLst>
-              <a:ext uri="{FF2B5EF4-FFF2-40B4-BE49-F238E27FC236}">
-                <a16:creationId xmlns:a16="http://schemas.microsoft.com/office/drawing/2014/main" id="{D914E325-FA6F-959D-5211-50B4D9398951}"/>
-              </a:ext>
-            </a:extLst>
-          </p:cNvPr>
-          <p:cNvPicPr>
-            <a:picLocks noChangeAspect="1"/>
-          </p:cNvPicPr>
-          <p:nvPr/>
-        </p:nvPicPr>
-        <p:blipFill>
-          <a:blip r:embed="rId3"/>
-          <a:stretch>
-            <a:fillRect/>
-          </a:stretch>
-        </p:blipFill>
-        <p:spPr>
-          <a:xfrm>
-            <a:off x="92437" y="1025093"/>
-            <a:ext cx="6667843" cy="5454930"/>
-          </a:xfrm>
-          <a:prstGeom prst="rect">
-            <a:avLst/>
-          </a:prstGeom>
-        </p:spPr>
-      </p:pic>
-      <p:sp>
-        <p:nvSpPr>
-          <p:cNvPr id="7" name="TextBox 6">
-            <a:extLst>
-              <a:ext uri="{FF2B5EF4-FFF2-40B4-BE49-F238E27FC236}">
-                <a16:creationId xmlns:a16="http://schemas.microsoft.com/office/drawing/2014/main" id="{4FCE4377-1802-8885-8540-B1B87F765DE1}"/>
-              </a:ext>
-            </a:extLst>
-          </p:cNvPr>
-          <p:cNvSpPr txBox="1"/>
-          <p:nvPr/>
-        </p:nvSpPr>
-        <p:spPr>
-          <a:xfrm>
-            <a:off x="8576242" y="4640305"/>
-            <a:ext cx="3451969" cy="506292"/>
-          </a:xfrm>
-          <a:prstGeom prst="rect">
-            <a:avLst/>
-          </a:prstGeom>
-          <a:noFill/>
-        </p:spPr>
-        <p:txBody>
-          <a:bodyPr wrap="square" rtlCol="0">
-            <a:spAutoFit/>
-          </a:bodyPr>
-          <a:lstStyle/>
-          <a:p>
-            <a:pPr>
-              <a:lnSpc>
-                <a:spcPct val="150000"/>
-              </a:lnSpc>
-            </a:pPr>
-            <a:r>
-              <a:rPr lang="en-GB" sz="2000" b="1" dirty="0">
-                <a:latin typeface="Calibri" panose="020F0502020204030204" pitchFamily="34" charset="0"/>
-                <a:ea typeface="Calibri" panose="020F0502020204030204" pitchFamily="34" charset="0"/>
-                <a:cs typeface="Calibri" panose="020F0502020204030204" pitchFamily="34" charset="0"/>
-                <a:hlinkClick r:id="rId4"/>
-              </a:rPr>
-              <a:t>ODM documentations</a:t>
-            </a:r>
-            <a:endParaRPr lang="en-GB" sz="2000" b="1" dirty="0">
-              <a:latin typeface="Calibri" panose="020F0502020204030204" pitchFamily="34" charset="0"/>
-              <a:ea typeface="Calibri" panose="020F0502020204030204" pitchFamily="34" charset="0"/>
-              <a:cs typeface="Calibri" panose="020F0502020204030204" pitchFamily="34" charset="0"/>
-              <a:hlinkClick r:id="rId5"/>
-            </a:endParaRPr>
-          </a:p>
-        </p:txBody>
-      </p:sp>
-    </p:spTree>
-    <p:extLst>
-      <p:ext uri="{BB962C8B-B14F-4D97-AF65-F5344CB8AC3E}">
-        <p14:creationId xmlns:p14="http://schemas.microsoft.com/office/powerpoint/2010/main" val="3546864191"/>
       </p:ext>
     </p:extLst>
   </p:cSld>
@@ -6444,6 +6867,78 @@
                                     <p:set>
                                       <p:cBhvr>
                                         <p:cTn id="6" dur="1" fill="hold">
+                                          <p:stCondLst>
+                                            <p:cond delay="0"/>
+                                          </p:stCondLst>
+                                        </p:cTn>
+                                        <p:tgtEl>
+                                          <p:spTgt spid="3"/>
+                                        </p:tgtEl>
+                                        <p:attrNameLst>
+                                          <p:attrName>style.visibility</p:attrName>
+                                        </p:attrNameLst>
+                                      </p:cBhvr>
+                                      <p:to>
+                                        <p:strVal val="visible"/>
+                                      </p:to>
+                                    </p:set>
+                                  </p:childTnLst>
+                                </p:cTn>
+                              </p:par>
+                            </p:childTnLst>
+                          </p:cTn>
+                        </p:par>
+                      </p:childTnLst>
+                    </p:cTn>
+                  </p:par>
+                  <p:par>
+                    <p:cTn id="7" fill="hold">
+                      <p:stCondLst>
+                        <p:cond delay="indefinite"/>
+                      </p:stCondLst>
+                      <p:childTnLst>
+                        <p:par>
+                          <p:cTn id="8" fill="hold">
+                            <p:stCondLst>
+                              <p:cond delay="0"/>
+                            </p:stCondLst>
+                            <p:childTnLst>
+                              <p:par>
+                                <p:cTn id="9" presetID="1" presetClass="entr" presetSubtype="0" fill="hold" grpId="0" nodeType="clickEffect">
+                                  <p:stCondLst>
+                                    <p:cond delay="0"/>
+                                  </p:stCondLst>
+                                  <p:childTnLst>
+                                    <p:set>
+                                      <p:cBhvr>
+                                        <p:cTn id="10" dur="1" fill="hold">
+                                          <p:stCondLst>
+                                            <p:cond delay="0"/>
+                                          </p:stCondLst>
+                                        </p:cTn>
+                                        <p:tgtEl>
+                                          <p:spTgt spid="9"/>
+                                        </p:tgtEl>
+                                        <p:attrNameLst>
+                                          <p:attrName>style.visibility</p:attrName>
+                                        </p:attrNameLst>
+                                      </p:cBhvr>
+                                      <p:to>
+                                        <p:strVal val="visible"/>
+                                      </p:to>
+                                    </p:set>
+                                  </p:childTnLst>
+                                </p:cTn>
+                              </p:par>
+                              <p:par>
+                                <p:cTn id="11" presetID="1" presetClass="entr" presetSubtype="0" fill="hold" nodeType="withEffect">
+                                  <p:stCondLst>
+                                    <p:cond delay="0"/>
+                                  </p:stCondLst>
+                                  <p:childTnLst>
+                                    <p:set>
+                                      <p:cBhvr>
+                                        <p:cTn id="12" dur="1" fill="hold">
                                           <p:stCondLst>
                                             <p:cond delay="0"/>
                                           </p:stCondLst>
@@ -6490,7 +6985,1014 @@
       </p:par>
     </p:tnLst>
     <p:bldLst>
-      <p:bldP spid="7" grpId="0"/>
+      <p:bldP spid="3" grpId="0" animBg="1"/>
+      <p:bldP spid="9" grpId="0" animBg="1"/>
+    </p:bldLst>
+  </p:timing>
+</p:sld>
+</file>
+
+<file path=ppt/slides/slide4.xml><?xml version="1.0" encoding="utf-8"?>
+<p:sld xmlns:a="http://schemas.openxmlformats.org/drawingml/2006/main" xmlns:r="http://schemas.openxmlformats.org/officeDocument/2006/relationships" xmlns:p="http://schemas.openxmlformats.org/presentationml/2006/main">
+  <p:cSld>
+    <p:spTree>
+      <p:nvGrpSpPr>
+        <p:cNvPr id="1" name=""/>
+        <p:cNvGrpSpPr/>
+        <p:nvPr/>
+      </p:nvGrpSpPr>
+      <p:grpSpPr>
+        <a:xfrm>
+          <a:off x="0" y="0"/>
+          <a:ext cx="0" cy="0"/>
+          <a:chOff x="0" y="0"/>
+          <a:chExt cx="0" cy="0"/>
+        </a:xfrm>
+      </p:grpSpPr>
+      <p:sp>
+        <p:nvSpPr>
+          <p:cNvPr id="11" name="AutoShape 8">
+            <a:extLst>
+              <a:ext uri="{FF2B5EF4-FFF2-40B4-BE49-F238E27FC236}">
+                <a16:creationId xmlns:a16="http://schemas.microsoft.com/office/drawing/2014/main" id="{65E0AF15-A502-48AB-B1E1-F83F565F20F7}"/>
+              </a:ext>
+            </a:extLst>
+          </p:cNvPr>
+          <p:cNvSpPr>
+            <a:spLocks noChangeAspect="1" noChangeArrowheads="1"/>
+          </p:cNvSpPr>
+          <p:nvPr/>
+        </p:nvSpPr>
+        <p:spPr bwMode="auto">
+          <a:xfrm>
+            <a:off x="5943600" y="3276600"/>
+            <a:ext cx="304800" cy="304800"/>
+          </a:xfrm>
+          <a:prstGeom prst="rect">
+            <a:avLst/>
+          </a:prstGeom>
+          <a:noFill/>
+          <a:extLst>
+            <a:ext uri="{909E8E84-426E-40DD-AFC4-6F175D3DCCD1}">
+              <a14:hiddenFill xmlns:a14="http://schemas.microsoft.com/office/drawing/2010/main">
+                <a:solidFill>
+                  <a:srgbClr val="FFFFFF"/>
+                </a:solidFill>
+              </a14:hiddenFill>
+            </a:ext>
+          </a:extLst>
+        </p:spPr>
+        <p:txBody>
+          <a:bodyPr vert="horz" wrap="square" lIns="91440" tIns="45720" rIns="91440" bIns="45720" numCol="1" anchor="t" anchorCtr="0" compatLnSpc="1">
+            <a:prstTxWarp prst="textNoShape">
+              <a:avLst/>
+            </a:prstTxWarp>
+          </a:bodyPr>
+          <a:lstStyle/>
+          <a:p>
+            <a:endParaRPr lang="en-HK">
+              <a:cs typeface="+mn-ea"/>
+              <a:sym typeface="+mn-lt"/>
+            </a:endParaRPr>
+          </a:p>
+        </p:txBody>
+      </p:sp>
+      <p:sp>
+        <p:nvSpPr>
+          <p:cNvPr id="4" name="TextBox 3">
+            <a:extLst>
+              <a:ext uri="{FF2B5EF4-FFF2-40B4-BE49-F238E27FC236}">
+                <a16:creationId xmlns:a16="http://schemas.microsoft.com/office/drawing/2014/main" id="{43AC3C2A-C523-23CD-8571-FA2591702324}"/>
+              </a:ext>
+            </a:extLst>
+          </p:cNvPr>
+          <p:cNvSpPr txBox="1"/>
+          <p:nvPr/>
+        </p:nvSpPr>
+        <p:spPr>
+          <a:xfrm>
+            <a:off x="92437" y="65531"/>
+            <a:ext cx="12007123" cy="646331"/>
+          </a:xfrm>
+          <a:prstGeom prst="rect">
+            <a:avLst/>
+          </a:prstGeom>
+          <a:solidFill>
+            <a:srgbClr val="002060"/>
+          </a:solidFill>
+        </p:spPr>
+        <p:txBody>
+          <a:bodyPr wrap="square">
+            <a:spAutoFit/>
+          </a:bodyPr>
+          <a:lstStyle/>
+          <a:p>
+            <a:pPr lvl="0" algn="ctr"/>
+            <a:r>
+              <a:rPr lang="en-GB" sz="3600" b="1">
+                <a:solidFill>
+                  <a:schemeClr val="bg1"/>
+                </a:solidFill>
+                <a:cs typeface="+mn-ea"/>
+                <a:sym typeface="+mn-lt"/>
+              </a:rPr>
+              <a:t>WebODM interface &amp; functions</a:t>
+            </a:r>
+            <a:endParaRPr lang="en-GB" sz="3600" b="1" dirty="0">
+              <a:solidFill>
+                <a:schemeClr val="bg1"/>
+              </a:solidFill>
+              <a:cs typeface="+mn-ea"/>
+              <a:sym typeface="+mn-lt"/>
+            </a:endParaRPr>
+          </a:p>
+        </p:txBody>
+      </p:sp>
+      <p:sp>
+        <p:nvSpPr>
+          <p:cNvPr id="2" name="Slide Number Placeholder 1">
+            <a:extLst>
+              <a:ext uri="{FF2B5EF4-FFF2-40B4-BE49-F238E27FC236}">
+                <a16:creationId xmlns:a16="http://schemas.microsoft.com/office/drawing/2014/main" id="{8E41405F-2034-03DC-C5F8-3909D1CFDACD}"/>
+              </a:ext>
+            </a:extLst>
+          </p:cNvPr>
+          <p:cNvSpPr>
+            <a:spLocks noGrp="1"/>
+          </p:cNvSpPr>
+          <p:nvPr>
+            <p:ph type="sldNum" idx="12"/>
+          </p:nvPr>
+        </p:nvSpPr>
+        <p:spPr/>
+        <p:txBody>
+          <a:bodyPr/>
+          <a:lstStyle/>
+          <a:p>
+            <a:fld id="{00000000-1234-1234-1234-123412341234}" type="slidenum">
+              <a:rPr lang="en" smtClean="0"/>
+              <a:pPr/>
+              <a:t>4</a:t>
+            </a:fld>
+            <a:endParaRPr lang="en"/>
+          </a:p>
+        </p:txBody>
+      </p:sp>
+      <p:pic>
+        <p:nvPicPr>
+          <p:cNvPr id="8" name="Picture 7" descr="A screenshot of a computer screen&#10;&#10;Description automatically generated">
+            <a:extLst>
+              <a:ext uri="{FF2B5EF4-FFF2-40B4-BE49-F238E27FC236}">
+                <a16:creationId xmlns:a16="http://schemas.microsoft.com/office/drawing/2014/main" id="{4C350365-63DD-3F7D-E943-6AE2E2BB22CA}"/>
+              </a:ext>
+            </a:extLst>
+          </p:cNvPr>
+          <p:cNvPicPr>
+            <a:picLocks noChangeAspect="1"/>
+          </p:cNvPicPr>
+          <p:nvPr/>
+        </p:nvPicPr>
+        <p:blipFill>
+          <a:blip r:embed="rId3"/>
+          <a:stretch>
+            <a:fillRect/>
+          </a:stretch>
+        </p:blipFill>
+        <p:spPr>
+          <a:xfrm>
+            <a:off x="1033955" y="763602"/>
+            <a:ext cx="9819289" cy="5635596"/>
+          </a:xfrm>
+          <a:prstGeom prst="rect">
+            <a:avLst/>
+          </a:prstGeom>
+        </p:spPr>
+      </p:pic>
+    </p:spTree>
+    <p:extLst>
+      <p:ext uri="{BB962C8B-B14F-4D97-AF65-F5344CB8AC3E}">
+        <p14:creationId xmlns:p14="http://schemas.microsoft.com/office/powerpoint/2010/main" val="3546864191"/>
+      </p:ext>
+    </p:extLst>
+  </p:cSld>
+  <p:clrMapOvr>
+    <a:masterClrMapping/>
+  </p:clrMapOvr>
+</p:sld>
+</file>
+
+<file path=ppt/slides/slide5.xml><?xml version="1.0" encoding="utf-8"?>
+<p:sld xmlns:a="http://schemas.openxmlformats.org/drawingml/2006/main" xmlns:r="http://schemas.openxmlformats.org/officeDocument/2006/relationships" xmlns:p="http://schemas.openxmlformats.org/presentationml/2006/main">
+  <p:cSld>
+    <p:spTree>
+      <p:nvGrpSpPr>
+        <p:cNvPr id="1" name=""/>
+        <p:cNvGrpSpPr/>
+        <p:nvPr/>
+      </p:nvGrpSpPr>
+      <p:grpSpPr>
+        <a:xfrm>
+          <a:off x="0" y="0"/>
+          <a:ext cx="0" cy="0"/>
+          <a:chOff x="0" y="0"/>
+          <a:chExt cx="0" cy="0"/>
+        </a:xfrm>
+      </p:grpSpPr>
+      <p:sp>
+        <p:nvSpPr>
+          <p:cNvPr id="11" name="AutoShape 8">
+            <a:extLst>
+              <a:ext uri="{FF2B5EF4-FFF2-40B4-BE49-F238E27FC236}">
+                <a16:creationId xmlns:a16="http://schemas.microsoft.com/office/drawing/2014/main" id="{65E0AF15-A502-48AB-B1E1-F83F565F20F7}"/>
+              </a:ext>
+            </a:extLst>
+          </p:cNvPr>
+          <p:cNvSpPr>
+            <a:spLocks noChangeAspect="1" noChangeArrowheads="1"/>
+          </p:cNvSpPr>
+          <p:nvPr/>
+        </p:nvSpPr>
+        <p:spPr bwMode="auto">
+          <a:xfrm>
+            <a:off x="5943600" y="3276600"/>
+            <a:ext cx="304800" cy="304800"/>
+          </a:xfrm>
+          <a:prstGeom prst="rect">
+            <a:avLst/>
+          </a:prstGeom>
+          <a:noFill/>
+          <a:extLst>
+            <a:ext uri="{909E8E84-426E-40DD-AFC4-6F175D3DCCD1}">
+              <a14:hiddenFill xmlns:a14="http://schemas.microsoft.com/office/drawing/2010/main">
+                <a:solidFill>
+                  <a:srgbClr val="FFFFFF"/>
+                </a:solidFill>
+              </a14:hiddenFill>
+            </a:ext>
+          </a:extLst>
+        </p:spPr>
+        <p:txBody>
+          <a:bodyPr vert="horz" wrap="square" lIns="91440" tIns="45720" rIns="91440" bIns="45720" numCol="1" anchor="t" anchorCtr="0" compatLnSpc="1">
+            <a:prstTxWarp prst="textNoShape">
+              <a:avLst/>
+            </a:prstTxWarp>
+          </a:bodyPr>
+          <a:lstStyle/>
+          <a:p>
+            <a:endParaRPr lang="en-HK">
+              <a:cs typeface="+mn-ea"/>
+              <a:sym typeface="+mn-lt"/>
+            </a:endParaRPr>
+          </a:p>
+        </p:txBody>
+      </p:sp>
+      <p:sp>
+        <p:nvSpPr>
+          <p:cNvPr id="4" name="TextBox 3">
+            <a:extLst>
+              <a:ext uri="{FF2B5EF4-FFF2-40B4-BE49-F238E27FC236}">
+                <a16:creationId xmlns:a16="http://schemas.microsoft.com/office/drawing/2014/main" id="{43AC3C2A-C523-23CD-8571-FA2591702324}"/>
+              </a:ext>
+            </a:extLst>
+          </p:cNvPr>
+          <p:cNvSpPr txBox="1"/>
+          <p:nvPr/>
+        </p:nvSpPr>
+        <p:spPr>
+          <a:xfrm>
+            <a:off x="92437" y="65531"/>
+            <a:ext cx="12007123" cy="646331"/>
+          </a:xfrm>
+          <a:prstGeom prst="rect">
+            <a:avLst/>
+          </a:prstGeom>
+          <a:solidFill>
+            <a:srgbClr val="002060"/>
+          </a:solidFill>
+        </p:spPr>
+        <p:txBody>
+          <a:bodyPr wrap="square">
+            <a:spAutoFit/>
+          </a:bodyPr>
+          <a:lstStyle/>
+          <a:p>
+            <a:pPr lvl="0" algn="ctr"/>
+            <a:r>
+              <a:rPr lang="en-GB" sz="3600" b="1" dirty="0">
+                <a:solidFill>
+                  <a:schemeClr val="bg1"/>
+                </a:solidFill>
+                <a:cs typeface="+mn-ea"/>
+                <a:sym typeface="+mn-lt"/>
+              </a:rPr>
+              <a:t>ODM running on Linux server</a:t>
+            </a:r>
+          </a:p>
+        </p:txBody>
+      </p:sp>
+      <p:sp>
+        <p:nvSpPr>
+          <p:cNvPr id="2" name="Slide Number Placeholder 1">
+            <a:extLst>
+              <a:ext uri="{FF2B5EF4-FFF2-40B4-BE49-F238E27FC236}">
+                <a16:creationId xmlns:a16="http://schemas.microsoft.com/office/drawing/2014/main" id="{8E41405F-2034-03DC-C5F8-3909D1CFDACD}"/>
+              </a:ext>
+            </a:extLst>
+          </p:cNvPr>
+          <p:cNvSpPr>
+            <a:spLocks noGrp="1"/>
+          </p:cNvSpPr>
+          <p:nvPr>
+            <p:ph type="sldNum" idx="12"/>
+          </p:nvPr>
+        </p:nvSpPr>
+        <p:spPr/>
+        <p:txBody>
+          <a:bodyPr/>
+          <a:lstStyle/>
+          <a:p>
+            <a:fld id="{00000000-1234-1234-1234-123412341234}" type="slidenum">
+              <a:rPr lang="en" smtClean="0"/>
+              <a:pPr/>
+              <a:t>5</a:t>
+            </a:fld>
+            <a:endParaRPr lang="en"/>
+          </a:p>
+        </p:txBody>
+      </p:sp>
+      <p:pic>
+        <p:nvPicPr>
+          <p:cNvPr id="6" name="Picture 5">
+            <a:extLst>
+              <a:ext uri="{FF2B5EF4-FFF2-40B4-BE49-F238E27FC236}">
+                <a16:creationId xmlns:a16="http://schemas.microsoft.com/office/drawing/2014/main" id="{D914E325-FA6F-959D-5211-50B4D9398951}"/>
+              </a:ext>
+            </a:extLst>
+          </p:cNvPr>
+          <p:cNvPicPr>
+            <a:picLocks noChangeAspect="1"/>
+          </p:cNvPicPr>
+          <p:nvPr/>
+        </p:nvPicPr>
+        <p:blipFill>
+          <a:blip r:embed="rId3"/>
+          <a:stretch>
+            <a:fillRect/>
+          </a:stretch>
+        </p:blipFill>
+        <p:spPr>
+          <a:xfrm>
+            <a:off x="92437" y="1025093"/>
+            <a:ext cx="6667843" cy="5454930"/>
+          </a:xfrm>
+          <a:prstGeom prst="rect">
+            <a:avLst/>
+          </a:prstGeom>
+        </p:spPr>
+      </p:pic>
+      <p:sp>
+        <p:nvSpPr>
+          <p:cNvPr id="7" name="TextBox 6">
+            <a:extLst>
+              <a:ext uri="{FF2B5EF4-FFF2-40B4-BE49-F238E27FC236}">
+                <a16:creationId xmlns:a16="http://schemas.microsoft.com/office/drawing/2014/main" id="{4FCE4377-1802-8885-8540-B1B87F765DE1}"/>
+              </a:ext>
+            </a:extLst>
+          </p:cNvPr>
+          <p:cNvSpPr txBox="1"/>
+          <p:nvPr/>
+        </p:nvSpPr>
+        <p:spPr>
+          <a:xfrm>
+            <a:off x="7220803" y="1652752"/>
+            <a:ext cx="4536331" cy="4199611"/>
+          </a:xfrm>
+          <a:prstGeom prst="rect">
+            <a:avLst/>
+          </a:prstGeom>
+          <a:noFill/>
+        </p:spPr>
+        <p:txBody>
+          <a:bodyPr wrap="square" rtlCol="0">
+            <a:spAutoFit/>
+          </a:bodyPr>
+          <a:lstStyle/>
+          <a:p>
+            <a:pPr>
+              <a:lnSpc>
+                <a:spcPct val="150000"/>
+              </a:lnSpc>
+            </a:pPr>
+            <a:r>
+              <a:rPr lang="en-GB" sz="2000" b="1" dirty="0">
+                <a:latin typeface="Calibri" panose="020F0502020204030204" pitchFamily="34" charset="0"/>
+                <a:ea typeface="Calibri" panose="020F0502020204030204" pitchFamily="34" charset="0"/>
+                <a:cs typeface="Calibri" panose="020F0502020204030204" pitchFamily="34" charset="0"/>
+              </a:rPr>
+              <a:t>System RAM demanded for large project (4CPU cores + 144GB RAM)</a:t>
+            </a:r>
+            <a:endParaRPr lang="en-GB" sz="2000" b="1" dirty="0">
+              <a:latin typeface="Calibri" panose="020F0502020204030204" pitchFamily="34" charset="0"/>
+              <a:ea typeface="Calibri" panose="020F0502020204030204" pitchFamily="34" charset="0"/>
+              <a:cs typeface="Calibri" panose="020F0502020204030204" pitchFamily="34" charset="0"/>
+              <a:hlinkClick r:id="rId4"/>
+            </a:endParaRPr>
+          </a:p>
+          <a:p>
+            <a:pPr>
+              <a:lnSpc>
+                <a:spcPct val="150000"/>
+              </a:lnSpc>
+            </a:pPr>
+            <a:endParaRPr lang="en-GB" sz="2000" b="1" dirty="0">
+              <a:latin typeface="Calibri" panose="020F0502020204030204" pitchFamily="34" charset="0"/>
+              <a:ea typeface="Calibri" panose="020F0502020204030204" pitchFamily="34" charset="0"/>
+              <a:cs typeface="Calibri" panose="020F0502020204030204" pitchFamily="34" charset="0"/>
+            </a:endParaRPr>
+          </a:p>
+          <a:p>
+            <a:pPr>
+              <a:lnSpc>
+                <a:spcPct val="150000"/>
+              </a:lnSpc>
+            </a:pPr>
+            <a:endParaRPr lang="en-GB" sz="2000" b="1" dirty="0">
+              <a:latin typeface="Calibri" panose="020F0502020204030204" pitchFamily="34" charset="0"/>
+              <a:ea typeface="Calibri" panose="020F0502020204030204" pitchFamily="34" charset="0"/>
+              <a:cs typeface="Calibri" panose="020F0502020204030204" pitchFamily="34" charset="0"/>
+            </a:endParaRPr>
+          </a:p>
+          <a:p>
+            <a:pPr>
+              <a:lnSpc>
+                <a:spcPct val="150000"/>
+              </a:lnSpc>
+            </a:pPr>
+            <a:r>
+              <a:rPr lang="en-GB" sz="2000" b="1" dirty="0">
+                <a:latin typeface="Calibri" panose="020F0502020204030204" pitchFamily="34" charset="0"/>
+                <a:ea typeface="Calibri" panose="020F0502020204030204" pitchFamily="34" charset="0"/>
+                <a:cs typeface="Calibri" panose="020F0502020204030204" pitchFamily="34" charset="0"/>
+              </a:rPr>
+              <a:t>Singularity container to ensure compatibility across different system</a:t>
+            </a:r>
+          </a:p>
+          <a:p>
+            <a:pPr>
+              <a:lnSpc>
+                <a:spcPct val="150000"/>
+              </a:lnSpc>
+            </a:pPr>
+            <a:endParaRPr lang="en-GB" sz="2000" b="1" dirty="0">
+              <a:latin typeface="Calibri" panose="020F0502020204030204" pitchFamily="34" charset="0"/>
+              <a:ea typeface="Calibri" panose="020F0502020204030204" pitchFamily="34" charset="0"/>
+              <a:cs typeface="Calibri" panose="020F0502020204030204" pitchFamily="34" charset="0"/>
+            </a:endParaRPr>
+          </a:p>
+          <a:p>
+            <a:pPr>
+              <a:lnSpc>
+                <a:spcPct val="150000"/>
+              </a:lnSpc>
+            </a:pPr>
+            <a:endParaRPr lang="en-GB" sz="2000" b="1" dirty="0">
+              <a:latin typeface="Calibri" panose="020F0502020204030204" pitchFamily="34" charset="0"/>
+              <a:ea typeface="Calibri" panose="020F0502020204030204" pitchFamily="34" charset="0"/>
+              <a:cs typeface="Calibri" panose="020F0502020204030204" pitchFamily="34" charset="0"/>
+              <a:hlinkClick r:id="rId4"/>
+            </a:endParaRPr>
+          </a:p>
+          <a:p>
+            <a:pPr>
+              <a:lnSpc>
+                <a:spcPct val="150000"/>
+              </a:lnSpc>
+            </a:pPr>
+            <a:r>
+              <a:rPr lang="en-GB" sz="2000" b="1" dirty="0">
+                <a:latin typeface="Calibri" panose="020F0502020204030204" pitchFamily="34" charset="0"/>
+                <a:ea typeface="Calibri" panose="020F0502020204030204" pitchFamily="34" charset="0"/>
+                <a:cs typeface="Calibri" panose="020F0502020204030204" pitchFamily="34" charset="0"/>
+                <a:hlinkClick r:id="rId4"/>
+              </a:rPr>
+              <a:t>ODM documentations</a:t>
+            </a:r>
+            <a:endParaRPr lang="en-GB" sz="2000" b="1" dirty="0">
+              <a:latin typeface="Calibri" panose="020F0502020204030204" pitchFamily="34" charset="0"/>
+              <a:ea typeface="Calibri" panose="020F0502020204030204" pitchFamily="34" charset="0"/>
+              <a:cs typeface="Calibri" panose="020F0502020204030204" pitchFamily="34" charset="0"/>
+              <a:hlinkClick r:id="rId5"/>
+            </a:endParaRPr>
+          </a:p>
+        </p:txBody>
+      </p:sp>
+      <p:sp>
+        <p:nvSpPr>
+          <p:cNvPr id="3" name="Rounded Rectangle 2">
+            <a:extLst>
+              <a:ext uri="{FF2B5EF4-FFF2-40B4-BE49-F238E27FC236}">
+                <a16:creationId xmlns:a16="http://schemas.microsoft.com/office/drawing/2014/main" id="{5FBF5A19-734D-B487-06C4-CE367E12FEC1}"/>
+              </a:ext>
+            </a:extLst>
+          </p:cNvPr>
+          <p:cNvSpPr/>
+          <p:nvPr/>
+        </p:nvSpPr>
+        <p:spPr>
+          <a:xfrm>
+            <a:off x="1041002" y="2483356"/>
+            <a:ext cx="1872994" cy="659539"/>
+          </a:xfrm>
+          <a:prstGeom prst="roundRect">
+            <a:avLst/>
+          </a:prstGeom>
+          <a:noFill/>
+          <a:ln w="57150">
+            <a:solidFill>
+              <a:schemeClr val="accent2"/>
+            </a:solidFill>
+          </a:ln>
+        </p:spPr>
+        <p:style>
+          <a:lnRef idx="2">
+            <a:schemeClr val="accent1">
+              <a:shade val="15000"/>
+            </a:schemeClr>
+          </a:lnRef>
+          <a:fillRef idx="1">
+            <a:schemeClr val="accent1"/>
+          </a:fillRef>
+          <a:effectRef idx="0">
+            <a:schemeClr val="accent1"/>
+          </a:effectRef>
+          <a:fontRef idx="minor">
+            <a:schemeClr val="lt1"/>
+          </a:fontRef>
+        </p:style>
+        <p:txBody>
+          <a:bodyPr rtlCol="0" anchor="ctr"/>
+          <a:lstStyle/>
+          <a:p>
+            <a:pPr algn="ctr"/>
+            <a:endParaRPr lang="en-GB"/>
+          </a:p>
+        </p:txBody>
+      </p:sp>
+      <p:sp>
+        <p:nvSpPr>
+          <p:cNvPr id="5" name="Rounded Rectangle 4">
+            <a:extLst>
+              <a:ext uri="{FF2B5EF4-FFF2-40B4-BE49-F238E27FC236}">
+                <a16:creationId xmlns:a16="http://schemas.microsoft.com/office/drawing/2014/main" id="{0E6DC88F-D966-CED5-52AA-EDEF805D17F2}"/>
+              </a:ext>
+            </a:extLst>
+          </p:cNvPr>
+          <p:cNvSpPr/>
+          <p:nvPr/>
+        </p:nvSpPr>
+        <p:spPr>
+          <a:xfrm>
+            <a:off x="434866" y="3804832"/>
+            <a:ext cx="2838270" cy="796326"/>
+          </a:xfrm>
+          <a:prstGeom prst="roundRect">
+            <a:avLst/>
+          </a:prstGeom>
+          <a:noFill/>
+          <a:ln w="57150">
+            <a:solidFill>
+              <a:schemeClr val="accent2"/>
+            </a:solidFill>
+          </a:ln>
+        </p:spPr>
+        <p:style>
+          <a:lnRef idx="2">
+            <a:schemeClr val="accent1">
+              <a:shade val="15000"/>
+            </a:schemeClr>
+          </a:lnRef>
+          <a:fillRef idx="1">
+            <a:schemeClr val="accent1"/>
+          </a:fillRef>
+          <a:effectRef idx="0">
+            <a:schemeClr val="accent1"/>
+          </a:effectRef>
+          <a:fontRef idx="minor">
+            <a:schemeClr val="lt1"/>
+          </a:fontRef>
+        </p:style>
+        <p:txBody>
+          <a:bodyPr rtlCol="0" anchor="ctr"/>
+          <a:lstStyle/>
+          <a:p>
+            <a:pPr algn="ctr"/>
+            <a:endParaRPr lang="en-GB"/>
+          </a:p>
+        </p:txBody>
+      </p:sp>
+      <p:sp>
+        <p:nvSpPr>
+          <p:cNvPr id="8" name="Arrow: Right 9">
+            <a:extLst>
+              <a:ext uri="{FF2B5EF4-FFF2-40B4-BE49-F238E27FC236}">
+                <a16:creationId xmlns:a16="http://schemas.microsoft.com/office/drawing/2014/main" id="{796A68F8-697E-8F71-1CA4-D57A60C9AF00}"/>
+              </a:ext>
+            </a:extLst>
+          </p:cNvPr>
+          <p:cNvSpPr/>
+          <p:nvPr/>
+        </p:nvSpPr>
+        <p:spPr>
+          <a:xfrm rot="21010236">
+            <a:off x="3833285" y="2194739"/>
+            <a:ext cx="3190450" cy="484632"/>
+          </a:xfrm>
+          <a:prstGeom prst="rightArrow">
+            <a:avLst>
+              <a:gd name="adj1" fmla="val 50000"/>
+              <a:gd name="adj2" fmla="val 50000"/>
+            </a:avLst>
+          </a:prstGeom>
+          <a:solidFill>
+            <a:schemeClr val="bg1"/>
+          </a:solidFill>
+        </p:spPr>
+        <p:style>
+          <a:lnRef idx="2">
+            <a:schemeClr val="accent1">
+              <a:shade val="15000"/>
+            </a:schemeClr>
+          </a:lnRef>
+          <a:fillRef idx="1">
+            <a:schemeClr val="accent1"/>
+          </a:fillRef>
+          <a:effectRef idx="0">
+            <a:schemeClr val="accent1"/>
+          </a:effectRef>
+          <a:fontRef idx="minor">
+            <a:schemeClr val="lt1"/>
+          </a:fontRef>
+        </p:style>
+        <p:txBody>
+          <a:bodyPr rtlCol="0" anchor="ctr"/>
+          <a:lstStyle/>
+          <a:p>
+            <a:pPr algn="ctr"/>
+            <a:endParaRPr lang="en-HK"/>
+          </a:p>
+        </p:txBody>
+      </p:sp>
+      <p:sp>
+        <p:nvSpPr>
+          <p:cNvPr id="9" name="Arrow: Right 9">
+            <a:extLst>
+              <a:ext uri="{FF2B5EF4-FFF2-40B4-BE49-F238E27FC236}">
+                <a16:creationId xmlns:a16="http://schemas.microsoft.com/office/drawing/2014/main" id="{F3E08320-AE90-F893-6A3C-93142AD829D4}"/>
+              </a:ext>
+            </a:extLst>
+          </p:cNvPr>
+          <p:cNvSpPr/>
+          <p:nvPr/>
+        </p:nvSpPr>
+        <p:spPr>
+          <a:xfrm>
+            <a:off x="3906981" y="3815916"/>
+            <a:ext cx="3134703" cy="484632"/>
+          </a:xfrm>
+          <a:prstGeom prst="rightArrow">
+            <a:avLst>
+              <a:gd name="adj1" fmla="val 50000"/>
+              <a:gd name="adj2" fmla="val 50000"/>
+            </a:avLst>
+          </a:prstGeom>
+          <a:solidFill>
+            <a:schemeClr val="bg1"/>
+          </a:solidFill>
+        </p:spPr>
+        <p:style>
+          <a:lnRef idx="2">
+            <a:schemeClr val="accent1">
+              <a:shade val="15000"/>
+            </a:schemeClr>
+          </a:lnRef>
+          <a:fillRef idx="1">
+            <a:schemeClr val="accent1"/>
+          </a:fillRef>
+          <a:effectRef idx="0">
+            <a:schemeClr val="accent1"/>
+          </a:effectRef>
+          <a:fontRef idx="minor">
+            <a:schemeClr val="lt1"/>
+          </a:fontRef>
+        </p:style>
+        <p:txBody>
+          <a:bodyPr rtlCol="0" anchor="ctr"/>
+          <a:lstStyle/>
+          <a:p>
+            <a:pPr algn="ctr"/>
+            <a:endParaRPr lang="en-HK"/>
+          </a:p>
+        </p:txBody>
+      </p:sp>
+    </p:spTree>
+    <p:extLst>
+      <p:ext uri="{BB962C8B-B14F-4D97-AF65-F5344CB8AC3E}">
+        <p14:creationId xmlns:p14="http://schemas.microsoft.com/office/powerpoint/2010/main" val="2518193941"/>
+      </p:ext>
+    </p:extLst>
+  </p:cSld>
+  <p:clrMapOvr>
+    <a:masterClrMapping/>
+  </p:clrMapOvr>
+  <p:timing>
+    <p:tnLst>
+      <p:par>
+        <p:cTn id="1" dur="indefinite" restart="never" nodeType="tmRoot">
+          <p:childTnLst>
+            <p:seq concurrent="1" nextAc="seek">
+              <p:cTn id="2" dur="indefinite" nodeType="mainSeq">
+                <p:childTnLst>
+                  <p:par>
+                    <p:cTn id="3" fill="hold">
+                      <p:stCondLst>
+                        <p:cond delay="indefinite"/>
+                      </p:stCondLst>
+                      <p:childTnLst>
+                        <p:par>
+                          <p:cTn id="4" fill="hold">
+                            <p:stCondLst>
+                              <p:cond delay="0"/>
+                            </p:stCondLst>
+                            <p:childTnLst>
+                              <p:par>
+                                <p:cTn id="5" presetID="1" presetClass="entr" presetSubtype="0" fill="hold" nodeType="clickEffect">
+                                  <p:stCondLst>
+                                    <p:cond delay="0"/>
+                                  </p:stCondLst>
+                                  <p:childTnLst>
+                                    <p:set>
+                                      <p:cBhvr>
+                                        <p:cTn id="6" dur="1" fill="hold">
+                                          <p:stCondLst>
+                                            <p:cond delay="0"/>
+                                          </p:stCondLst>
+                                        </p:cTn>
+                                        <p:tgtEl>
+                                          <p:spTgt spid="7">
+                                            <p:txEl>
+                                              <p:pRg st="0" end="0"/>
+                                            </p:txEl>
+                                          </p:spTgt>
+                                        </p:tgtEl>
+                                        <p:attrNameLst>
+                                          <p:attrName>style.visibility</p:attrName>
+                                        </p:attrNameLst>
+                                      </p:cBhvr>
+                                      <p:to>
+                                        <p:strVal val="visible"/>
+                                      </p:to>
+                                    </p:set>
+                                  </p:childTnLst>
+                                </p:cTn>
+                              </p:par>
+                              <p:par>
+                                <p:cTn id="7" presetID="1" presetClass="entr" presetSubtype="0" fill="hold" grpId="0" nodeType="withEffect">
+                                  <p:stCondLst>
+                                    <p:cond delay="0"/>
+                                  </p:stCondLst>
+                                  <p:childTnLst>
+                                    <p:set>
+                                      <p:cBhvr>
+                                        <p:cTn id="8" dur="1" fill="hold">
+                                          <p:stCondLst>
+                                            <p:cond delay="0"/>
+                                          </p:stCondLst>
+                                        </p:cTn>
+                                        <p:tgtEl>
+                                          <p:spTgt spid="3"/>
+                                        </p:tgtEl>
+                                        <p:attrNameLst>
+                                          <p:attrName>style.visibility</p:attrName>
+                                        </p:attrNameLst>
+                                      </p:cBhvr>
+                                      <p:to>
+                                        <p:strVal val="visible"/>
+                                      </p:to>
+                                    </p:set>
+                                  </p:childTnLst>
+                                </p:cTn>
+                              </p:par>
+                              <p:par>
+                                <p:cTn id="9" presetID="1" presetClass="entr" presetSubtype="0" fill="hold" grpId="0" nodeType="withEffect">
+                                  <p:stCondLst>
+                                    <p:cond delay="0"/>
+                                  </p:stCondLst>
+                                  <p:childTnLst>
+                                    <p:set>
+                                      <p:cBhvr>
+                                        <p:cTn id="10" dur="1" fill="hold">
+                                          <p:stCondLst>
+                                            <p:cond delay="0"/>
+                                          </p:stCondLst>
+                                        </p:cTn>
+                                        <p:tgtEl>
+                                          <p:spTgt spid="8"/>
+                                        </p:tgtEl>
+                                        <p:attrNameLst>
+                                          <p:attrName>style.visibility</p:attrName>
+                                        </p:attrNameLst>
+                                      </p:cBhvr>
+                                      <p:to>
+                                        <p:strVal val="visible"/>
+                                      </p:to>
+                                    </p:set>
+                                  </p:childTnLst>
+                                </p:cTn>
+                              </p:par>
+                            </p:childTnLst>
+                          </p:cTn>
+                        </p:par>
+                      </p:childTnLst>
+                    </p:cTn>
+                  </p:par>
+                  <p:par>
+                    <p:cTn id="11" fill="hold">
+                      <p:stCondLst>
+                        <p:cond delay="indefinite"/>
+                      </p:stCondLst>
+                      <p:childTnLst>
+                        <p:par>
+                          <p:cTn id="12" fill="hold">
+                            <p:stCondLst>
+                              <p:cond delay="0"/>
+                            </p:stCondLst>
+                            <p:childTnLst>
+                              <p:par>
+                                <p:cTn id="13" presetID="1" presetClass="entr" presetSubtype="0" fill="hold" grpId="0" nodeType="clickEffect">
+                                  <p:stCondLst>
+                                    <p:cond delay="0"/>
+                                  </p:stCondLst>
+                                  <p:childTnLst>
+                                    <p:set>
+                                      <p:cBhvr>
+                                        <p:cTn id="14" dur="1" fill="hold">
+                                          <p:stCondLst>
+                                            <p:cond delay="0"/>
+                                          </p:stCondLst>
+                                        </p:cTn>
+                                        <p:tgtEl>
+                                          <p:spTgt spid="5"/>
+                                        </p:tgtEl>
+                                        <p:attrNameLst>
+                                          <p:attrName>style.visibility</p:attrName>
+                                        </p:attrNameLst>
+                                      </p:cBhvr>
+                                      <p:to>
+                                        <p:strVal val="visible"/>
+                                      </p:to>
+                                    </p:set>
+                                  </p:childTnLst>
+                                </p:cTn>
+                              </p:par>
+                              <p:par>
+                                <p:cTn id="15" presetID="1" presetClass="entr" presetSubtype="0" fill="hold" grpId="0" nodeType="withEffect">
+                                  <p:stCondLst>
+                                    <p:cond delay="0"/>
+                                  </p:stCondLst>
+                                  <p:childTnLst>
+                                    <p:set>
+                                      <p:cBhvr>
+                                        <p:cTn id="16" dur="1" fill="hold">
+                                          <p:stCondLst>
+                                            <p:cond delay="0"/>
+                                          </p:stCondLst>
+                                        </p:cTn>
+                                        <p:tgtEl>
+                                          <p:spTgt spid="9"/>
+                                        </p:tgtEl>
+                                        <p:attrNameLst>
+                                          <p:attrName>style.visibility</p:attrName>
+                                        </p:attrNameLst>
+                                      </p:cBhvr>
+                                      <p:to>
+                                        <p:strVal val="visible"/>
+                                      </p:to>
+                                    </p:set>
+                                  </p:childTnLst>
+                                </p:cTn>
+                              </p:par>
+                              <p:par>
+                                <p:cTn id="17" presetID="1" presetClass="entr" presetSubtype="0" fill="hold" nodeType="withEffect">
+                                  <p:stCondLst>
+                                    <p:cond delay="0"/>
+                                  </p:stCondLst>
+                                  <p:childTnLst>
+                                    <p:set>
+                                      <p:cBhvr>
+                                        <p:cTn id="18" dur="1" fill="hold">
+                                          <p:stCondLst>
+                                            <p:cond delay="0"/>
+                                          </p:stCondLst>
+                                        </p:cTn>
+                                        <p:tgtEl>
+                                          <p:spTgt spid="7">
+                                            <p:txEl>
+                                              <p:pRg st="3" end="3"/>
+                                            </p:txEl>
+                                          </p:spTgt>
+                                        </p:tgtEl>
+                                        <p:attrNameLst>
+                                          <p:attrName>style.visibility</p:attrName>
+                                        </p:attrNameLst>
+                                      </p:cBhvr>
+                                      <p:to>
+                                        <p:strVal val="visible"/>
+                                      </p:to>
+                                    </p:set>
+                                  </p:childTnLst>
+                                </p:cTn>
+                              </p:par>
+                            </p:childTnLst>
+                          </p:cTn>
+                        </p:par>
+                      </p:childTnLst>
+                    </p:cTn>
+                  </p:par>
+                  <p:par>
+                    <p:cTn id="19" fill="hold">
+                      <p:stCondLst>
+                        <p:cond delay="indefinite"/>
+                      </p:stCondLst>
+                      <p:childTnLst>
+                        <p:par>
+                          <p:cTn id="20" fill="hold">
+                            <p:stCondLst>
+                              <p:cond delay="0"/>
+                            </p:stCondLst>
+                            <p:childTnLst>
+                              <p:par>
+                                <p:cTn id="21" presetID="1" presetClass="entr" presetSubtype="0" fill="hold" nodeType="clickEffect">
+                                  <p:stCondLst>
+                                    <p:cond delay="0"/>
+                                  </p:stCondLst>
+                                  <p:childTnLst>
+                                    <p:set>
+                                      <p:cBhvr>
+                                        <p:cTn id="22" dur="1" fill="hold">
+                                          <p:stCondLst>
+                                            <p:cond delay="0"/>
+                                          </p:stCondLst>
+                                        </p:cTn>
+                                        <p:tgtEl>
+                                          <p:spTgt spid="7">
+                                            <p:txEl>
+                                              <p:pRg st="6" end="6"/>
+                                            </p:txEl>
+                                          </p:spTgt>
+                                        </p:tgtEl>
+                                        <p:attrNameLst>
+                                          <p:attrName>style.visibility</p:attrName>
+                                        </p:attrNameLst>
+                                      </p:cBhvr>
+                                      <p:to>
+                                        <p:strVal val="visible"/>
+                                      </p:to>
+                                    </p:set>
+                                  </p:childTnLst>
+                                </p:cTn>
+                              </p:par>
+                            </p:childTnLst>
+                          </p:cTn>
+                        </p:par>
+                      </p:childTnLst>
+                    </p:cTn>
+                  </p:par>
+                </p:childTnLst>
+              </p:cTn>
+              <p:prevCondLst>
+                <p:cond evt="onPrev" delay="0">
+                  <p:tgtEl>
+                    <p:sldTgt/>
+                  </p:tgtEl>
+                </p:cond>
+              </p:prevCondLst>
+              <p:nextCondLst>
+                <p:cond evt="onNext" delay="0">
+                  <p:tgtEl>
+                    <p:sldTgt/>
+                  </p:tgtEl>
+                </p:cond>
+              </p:nextCondLst>
+            </p:seq>
+          </p:childTnLst>
+        </p:cTn>
+      </p:par>
+    </p:tnLst>
+    <p:bldLst>
+      <p:bldP spid="3" grpId="0" animBg="1"/>
+      <p:bldP spid="5" grpId="0" animBg="1"/>
+      <p:bldP spid="8" grpId="0" animBg="1"/>
+      <p:bldP spid="9" grpId="0" animBg="1"/>
     </p:bldLst>
   </p:timing>
 </p:sld>
